--- a/388 - Jesus Calls Us.pptx
+++ b/388 - Jesus Calls Us.pptx
@@ -243,7 +243,7 @@
           <a:p>
             <a:fld id="{32F7251A-AE54-443C-B8FE-5F636E835EBF}" type="datetimeFigureOut">
               <a:rPr lang="en-US" smtClean="0"/>
-              <a:t>6/3/2018</a:t>
+              <a:t>7/19/2020</a:t>
             </a:fld>
             <a:endParaRPr lang="en-US"/>
           </a:p>
@@ -411,7 +411,7 @@
           <a:p>
             <a:fld id="{32F7251A-AE54-443C-B8FE-5F636E835EBF}" type="datetimeFigureOut">
               <a:rPr lang="en-US" smtClean="0"/>
-              <a:t>6/3/2018</a:t>
+              <a:t>7/19/2020</a:t>
             </a:fld>
             <a:endParaRPr lang="en-US"/>
           </a:p>
@@ -589,7 +589,7 @@
           <a:p>
             <a:fld id="{32F7251A-AE54-443C-B8FE-5F636E835EBF}" type="datetimeFigureOut">
               <a:rPr lang="en-US" smtClean="0"/>
-              <a:t>6/3/2018</a:t>
+              <a:t>7/19/2020</a:t>
             </a:fld>
             <a:endParaRPr lang="en-US"/>
           </a:p>
@@ -757,7 +757,7 @@
           <a:p>
             <a:fld id="{32F7251A-AE54-443C-B8FE-5F636E835EBF}" type="datetimeFigureOut">
               <a:rPr lang="en-US" smtClean="0"/>
-              <a:t>6/3/2018</a:t>
+              <a:t>7/19/2020</a:t>
             </a:fld>
             <a:endParaRPr lang="en-US"/>
           </a:p>
@@ -1002,7 +1002,7 @@
           <a:p>
             <a:fld id="{32F7251A-AE54-443C-B8FE-5F636E835EBF}" type="datetimeFigureOut">
               <a:rPr lang="en-US" smtClean="0"/>
-              <a:t>6/3/2018</a:t>
+              <a:t>7/19/2020</a:t>
             </a:fld>
             <a:endParaRPr lang="en-US"/>
           </a:p>
@@ -1231,7 +1231,7 @@
           <a:p>
             <a:fld id="{32F7251A-AE54-443C-B8FE-5F636E835EBF}" type="datetimeFigureOut">
               <a:rPr lang="en-US" smtClean="0"/>
-              <a:t>6/3/2018</a:t>
+              <a:t>7/19/2020</a:t>
             </a:fld>
             <a:endParaRPr lang="en-US"/>
           </a:p>
@@ -1595,7 +1595,7 @@
           <a:p>
             <a:fld id="{32F7251A-AE54-443C-B8FE-5F636E835EBF}" type="datetimeFigureOut">
               <a:rPr lang="en-US" smtClean="0"/>
-              <a:t>6/3/2018</a:t>
+              <a:t>7/19/2020</a:t>
             </a:fld>
             <a:endParaRPr lang="en-US"/>
           </a:p>
@@ -1712,7 +1712,7 @@
           <a:p>
             <a:fld id="{32F7251A-AE54-443C-B8FE-5F636E835EBF}" type="datetimeFigureOut">
               <a:rPr lang="en-US" smtClean="0"/>
-              <a:t>6/3/2018</a:t>
+              <a:t>7/19/2020</a:t>
             </a:fld>
             <a:endParaRPr lang="en-US"/>
           </a:p>
@@ -1807,7 +1807,7 @@
           <a:p>
             <a:fld id="{32F7251A-AE54-443C-B8FE-5F636E835EBF}" type="datetimeFigureOut">
               <a:rPr lang="en-US" smtClean="0"/>
-              <a:t>6/3/2018</a:t>
+              <a:t>7/19/2020</a:t>
             </a:fld>
             <a:endParaRPr lang="en-US"/>
           </a:p>
@@ -2082,7 +2082,7 @@
           <a:p>
             <a:fld id="{32F7251A-AE54-443C-B8FE-5F636E835EBF}" type="datetimeFigureOut">
               <a:rPr lang="en-US" smtClean="0"/>
-              <a:t>6/3/2018</a:t>
+              <a:t>7/19/2020</a:t>
             </a:fld>
             <a:endParaRPr lang="en-US"/>
           </a:p>
@@ -2334,7 +2334,7 @@
           <a:p>
             <a:fld id="{32F7251A-AE54-443C-B8FE-5F636E835EBF}" type="datetimeFigureOut">
               <a:rPr lang="en-US" smtClean="0"/>
-              <a:t>6/3/2018</a:t>
+              <a:t>7/19/2020</a:t>
             </a:fld>
             <a:endParaRPr lang="en-US"/>
           </a:p>
@@ -2401,7 +2401,9 @@
     <p:bg>
       <p:bgPr>
         <a:solidFill>
-          <a:srgbClr val="333333"/>
+          <a:schemeClr val="bg1">
+            <a:lumMod val="10000"/>
+          </a:schemeClr>
         </a:solidFill>
         <a:effectLst/>
       </p:bgPr>
@@ -2548,7 +2550,7 @@
           <a:p>
             <a:fld id="{32F7251A-AE54-443C-B8FE-5F636E835EBF}" type="datetimeFigureOut">
               <a:rPr lang="en-US" smtClean="0"/>
-              <a:t>6/3/2018</a:t>
+              <a:t>7/19/2020</a:t>
             </a:fld>
             <a:endParaRPr lang="en-US"/>
           </a:p>
@@ -3018,8 +3020,8 @@
         </p:nvSpPr>
         <p:spPr>
           <a:xfrm>
-            <a:off x="0" y="5804209"/>
-            <a:ext cx="12192000" cy="830997"/>
+            <a:off x="0" y="5927320"/>
+            <a:ext cx="12192000" cy="584775"/>
           </a:xfrm>
           <a:prstGeom prst="rect">
             <a:avLst/>
@@ -3034,10 +3036,12 @@
           <a:p>
             <a:pPr algn="ctr"/>
             <a:r>
-              <a:rPr lang="en-US" sz="4800" dirty="0">
+              <a:rPr lang="en-US" sz="3200" u="sng" dirty="0">
                 <a:solidFill>
                   <a:schemeClr val="bg1"/>
                 </a:solidFill>
+                <a:latin typeface="Assistant SemiBold" panose="00000700000000000000" pitchFamily="2" charset="-79"/>
+                <a:cs typeface="Assistant SemiBold" panose="00000700000000000000" pitchFamily="2" charset="-79"/>
               </a:rPr>
               <a:t>“Jesus Calls Us”</a:t>
             </a:r>
@@ -3052,8 +3056,8 @@
         </p:nvSpPr>
         <p:spPr>
           <a:xfrm>
-            <a:off x="0" y="239869"/>
-            <a:ext cx="12192000" cy="5078313"/>
+            <a:off x="0" y="652246"/>
+            <a:ext cx="12192000" cy="3970318"/>
           </a:xfrm>
           <a:prstGeom prst="rect">
             <a:avLst/>
@@ -3068,10 +3072,12 @@
           <a:p>
             <a:pPr algn="ctr"/>
             <a:r>
-              <a:rPr lang="en-US" sz="3600" dirty="0">
+              <a:rPr lang="en-US" sz="2800" spc="50" dirty="0">
                 <a:solidFill>
                   <a:schemeClr val="bg1"/>
                 </a:solidFill>
+                <a:latin typeface="Assistant" panose="00000500000000000000" pitchFamily="2" charset="-79"/>
+                <a:cs typeface="Assistant" panose="00000500000000000000" pitchFamily="2" charset="-79"/>
               </a:rPr>
               <a:t>Jesus calls us o’er the tumult</a:t>
             </a:r>
@@ -3079,10 +3085,12 @@
           <a:p>
             <a:pPr algn="ctr"/>
             <a:r>
-              <a:rPr lang="en-US" sz="3600" dirty="0">
+              <a:rPr lang="en-US" sz="2800" spc="50" dirty="0">
                 <a:solidFill>
                   <a:schemeClr val="bg1"/>
                 </a:solidFill>
+                <a:latin typeface="Assistant" panose="00000500000000000000" pitchFamily="2" charset="-79"/>
+                <a:cs typeface="Assistant" panose="00000500000000000000" pitchFamily="2" charset="-79"/>
               </a:rPr>
               <a:t>Of our life’s wild, restless sea;</a:t>
             </a:r>
@@ -3090,26 +3098,32 @@
           <a:p>
             <a:pPr algn="ctr"/>
             <a:r>
-              <a:rPr lang="en-US" sz="3600" dirty="0">
+              <a:rPr lang="en-US" sz="2800" spc="50" dirty="0">
                 <a:solidFill>
                   <a:schemeClr val="bg1"/>
                 </a:solidFill>
+                <a:latin typeface="Assistant" panose="00000500000000000000" pitchFamily="2" charset="-79"/>
+                <a:cs typeface="Assistant" panose="00000500000000000000" pitchFamily="2" charset="-79"/>
               </a:rPr>
               <a:t>Day by day, His voice </a:t>
             </a:r>
             <a:r>
-              <a:rPr lang="en-US" sz="3600" dirty="0" err="1">
+              <a:rPr lang="en-US" sz="2800" spc="50" dirty="0" err="1">
                 <a:solidFill>
                   <a:schemeClr val="bg1"/>
                 </a:solidFill>
+                <a:latin typeface="Assistant" panose="00000500000000000000" pitchFamily="2" charset="-79"/>
+                <a:cs typeface="Assistant" panose="00000500000000000000" pitchFamily="2" charset="-79"/>
               </a:rPr>
               <a:t>resoundeth</a:t>
             </a:r>
             <a:r>
-              <a:rPr lang="en-US" sz="3600" dirty="0">
+              <a:rPr lang="en-US" sz="2800" spc="50" dirty="0">
                 <a:solidFill>
                   <a:schemeClr val="bg1"/>
                 </a:solidFill>
+                <a:latin typeface="Assistant" panose="00000500000000000000" pitchFamily="2" charset="-79"/>
+                <a:cs typeface="Assistant" panose="00000500000000000000" pitchFamily="2" charset="-79"/>
               </a:rPr>
               <a:t>,</a:t>
             </a:r>
@@ -3117,29 +3131,35 @@
           <a:p>
             <a:pPr algn="ctr"/>
             <a:r>
-              <a:rPr lang="en-US" sz="3600" dirty="0">
+              <a:rPr lang="en-US" sz="2800" spc="50" dirty="0">
                 <a:solidFill>
                   <a:schemeClr val="bg1"/>
                 </a:solidFill>
+                <a:latin typeface="Assistant" panose="00000500000000000000" pitchFamily="2" charset="-79"/>
+                <a:cs typeface="Assistant" panose="00000500000000000000" pitchFamily="2" charset="-79"/>
               </a:rPr>
               <a:t>Saying, “Christian, follow me.”</a:t>
             </a:r>
           </a:p>
           <a:p>
             <a:pPr algn="ctr"/>
-            <a:endParaRPr lang="en-US" sz="3600" dirty="0">
+            <a:endParaRPr lang="en-US" sz="2800" spc="50" dirty="0">
               <a:solidFill>
                 <a:schemeClr val="bg1"/>
               </a:solidFill>
+              <a:latin typeface="Assistant" panose="00000500000000000000" pitchFamily="2" charset="-79"/>
+              <a:cs typeface="Assistant" panose="00000500000000000000" pitchFamily="2" charset="-79"/>
             </a:endParaRPr>
           </a:p>
           <a:p>
             <a:pPr algn="ctr"/>
             <a:r>
-              <a:rPr lang="en-US" sz="3600" dirty="0">
+              <a:rPr lang="en-US" sz="2800" spc="50" dirty="0">
                 <a:solidFill>
                   <a:schemeClr val="bg1"/>
                 </a:solidFill>
+                <a:latin typeface="Assistant" panose="00000500000000000000" pitchFamily="2" charset="-79"/>
+                <a:cs typeface="Assistant" panose="00000500000000000000" pitchFamily="2" charset="-79"/>
               </a:rPr>
               <a:t>As of old, apostles heard it</a:t>
             </a:r>
@@ -3147,10 +3167,12 @@
           <a:p>
             <a:pPr algn="ctr"/>
             <a:r>
-              <a:rPr lang="en-US" sz="3600" dirty="0">
+              <a:rPr lang="en-US" sz="2800" spc="50" dirty="0">
                 <a:solidFill>
                   <a:schemeClr val="bg1"/>
                 </a:solidFill>
+                <a:latin typeface="Assistant" panose="00000500000000000000" pitchFamily="2" charset="-79"/>
+                <a:cs typeface="Assistant" panose="00000500000000000000" pitchFamily="2" charset="-79"/>
               </a:rPr>
               <a:t>By the Galilean lake,</a:t>
             </a:r>
@@ -3158,10 +3180,12 @@
           <a:p>
             <a:pPr algn="ctr"/>
             <a:r>
-              <a:rPr lang="en-US" sz="3600" dirty="0">
+              <a:rPr lang="en-US" sz="2800" spc="50" dirty="0">
                 <a:solidFill>
                   <a:schemeClr val="bg1"/>
                 </a:solidFill>
+                <a:latin typeface="Assistant" panose="00000500000000000000" pitchFamily="2" charset="-79"/>
+                <a:cs typeface="Assistant" panose="00000500000000000000" pitchFamily="2" charset="-79"/>
               </a:rPr>
               <a:t>Turned from home and toil and kindred,</a:t>
             </a:r>
@@ -3169,10 +3193,12 @@
           <a:p>
             <a:pPr algn="ctr"/>
             <a:r>
-              <a:rPr lang="en-US" sz="3600" dirty="0">
+              <a:rPr lang="en-US" sz="2800" spc="50" dirty="0">
                 <a:solidFill>
                   <a:schemeClr val="bg1"/>
                 </a:solidFill>
+                <a:latin typeface="Assistant" panose="00000500000000000000" pitchFamily="2" charset="-79"/>
+                <a:cs typeface="Assistant" panose="00000500000000000000" pitchFamily="2" charset="-79"/>
               </a:rPr>
               <a:t>Leaving all for Jesus’ sake.</a:t>
             </a:r>
@@ -3274,8 +3300,8 @@
         </p:nvSpPr>
         <p:spPr>
           <a:xfrm>
-            <a:off x="0" y="5804209"/>
-            <a:ext cx="12192000" cy="830997"/>
+            <a:off x="0" y="5927320"/>
+            <a:ext cx="12192000" cy="584775"/>
           </a:xfrm>
           <a:prstGeom prst="rect">
             <a:avLst/>
@@ -3290,10 +3316,12 @@
           <a:p>
             <a:pPr algn="ctr"/>
             <a:r>
-              <a:rPr lang="en-US" sz="4800" dirty="0">
+              <a:rPr lang="en-US" sz="3200" u="sng" dirty="0">
                 <a:solidFill>
                   <a:schemeClr val="bg1"/>
                 </a:solidFill>
+                <a:latin typeface="Assistant SemiBold" panose="00000700000000000000" pitchFamily="2" charset="-79"/>
+                <a:cs typeface="Assistant SemiBold" panose="00000700000000000000" pitchFamily="2" charset="-79"/>
               </a:rPr>
               <a:t>“Jesus Calls Us”</a:t>
             </a:r>
@@ -3308,8 +3336,8 @@
         </p:nvSpPr>
         <p:spPr>
           <a:xfrm>
-            <a:off x="0" y="239869"/>
-            <a:ext cx="12192000" cy="5078313"/>
+            <a:off x="0" y="729571"/>
+            <a:ext cx="12192000" cy="3970318"/>
           </a:xfrm>
           <a:prstGeom prst="rect">
             <a:avLst/>
@@ -3324,10 +3352,12 @@
           <a:p>
             <a:pPr algn="ctr"/>
             <a:r>
-              <a:rPr lang="en-US" sz="3600" dirty="0">
+              <a:rPr lang="en-US" sz="2800" spc="50" dirty="0">
                 <a:solidFill>
                   <a:schemeClr val="bg1"/>
                 </a:solidFill>
+                <a:latin typeface="Assistant" panose="00000500000000000000" pitchFamily="2" charset="-79"/>
+                <a:cs typeface="Assistant" panose="00000500000000000000" pitchFamily="2" charset="-79"/>
               </a:rPr>
               <a:t>Jesus calls us from the worship</a:t>
             </a:r>
@@ -3335,10 +3365,12 @@
           <a:p>
             <a:pPr algn="ctr"/>
             <a:r>
-              <a:rPr lang="en-US" sz="3600" dirty="0">
+              <a:rPr lang="en-US" sz="2800" spc="50" dirty="0">
                 <a:solidFill>
                   <a:schemeClr val="bg1"/>
                 </a:solidFill>
+                <a:latin typeface="Assistant" panose="00000500000000000000" pitchFamily="2" charset="-79"/>
+                <a:cs typeface="Assistant" panose="00000500000000000000" pitchFamily="2" charset="-79"/>
               </a:rPr>
               <a:t>Of the vain world’s golden store,</a:t>
             </a:r>
@@ -3346,10 +3378,12 @@
           <a:p>
             <a:pPr algn="ctr"/>
             <a:r>
-              <a:rPr lang="en-US" sz="3600" dirty="0">
+              <a:rPr lang="en-US" sz="2800" spc="50" dirty="0">
                 <a:solidFill>
                   <a:schemeClr val="bg1"/>
                 </a:solidFill>
+                <a:latin typeface="Assistant" panose="00000500000000000000" pitchFamily="2" charset="-79"/>
+                <a:cs typeface="Assistant" panose="00000500000000000000" pitchFamily="2" charset="-79"/>
               </a:rPr>
               <a:t>From each idol that would keep us,</a:t>
             </a:r>
@@ -3357,29 +3391,35 @@
           <a:p>
             <a:pPr algn="ctr"/>
             <a:r>
-              <a:rPr lang="en-US" sz="3600" dirty="0">
+              <a:rPr lang="en-US" sz="2800" spc="50" dirty="0">
                 <a:solidFill>
                   <a:schemeClr val="bg1"/>
                 </a:solidFill>
+                <a:latin typeface="Assistant" panose="00000500000000000000" pitchFamily="2" charset="-79"/>
+                <a:cs typeface="Assistant" panose="00000500000000000000" pitchFamily="2" charset="-79"/>
               </a:rPr>
               <a:t>Saying, “Christian, love me more.”</a:t>
             </a:r>
           </a:p>
           <a:p>
             <a:pPr algn="ctr"/>
-            <a:endParaRPr lang="en-US" sz="3600" dirty="0">
+            <a:endParaRPr lang="en-US" sz="2800" spc="50" dirty="0">
               <a:solidFill>
                 <a:schemeClr val="bg1"/>
               </a:solidFill>
+              <a:latin typeface="Assistant" panose="00000500000000000000" pitchFamily="2" charset="-79"/>
+              <a:cs typeface="Assistant" panose="00000500000000000000" pitchFamily="2" charset="-79"/>
             </a:endParaRPr>
           </a:p>
           <a:p>
             <a:pPr algn="ctr"/>
             <a:r>
-              <a:rPr lang="en-US" sz="3600" dirty="0">
+              <a:rPr lang="en-US" sz="2800" spc="50" dirty="0">
                 <a:solidFill>
                   <a:schemeClr val="bg1"/>
                 </a:solidFill>
+                <a:latin typeface="Assistant" panose="00000500000000000000" pitchFamily="2" charset="-79"/>
+                <a:cs typeface="Assistant" panose="00000500000000000000" pitchFamily="2" charset="-79"/>
               </a:rPr>
               <a:t>In our joys and in our sorrows,</a:t>
             </a:r>
@@ -3387,10 +3427,12 @@
           <a:p>
             <a:pPr algn="ctr"/>
             <a:r>
-              <a:rPr lang="en-US" sz="3600" dirty="0">
+              <a:rPr lang="en-US" sz="2800" spc="50" dirty="0">
                 <a:solidFill>
                   <a:schemeClr val="bg1"/>
                 </a:solidFill>
+                <a:latin typeface="Assistant" panose="00000500000000000000" pitchFamily="2" charset="-79"/>
+                <a:cs typeface="Assistant" panose="00000500000000000000" pitchFamily="2" charset="-79"/>
               </a:rPr>
               <a:t>Days of toil and hours of ease,</a:t>
             </a:r>
@@ -3398,10 +3440,12 @@
           <a:p>
             <a:pPr algn="ctr"/>
             <a:r>
-              <a:rPr lang="en-US" sz="3600" dirty="0">
+              <a:rPr lang="en-US" sz="2800" spc="50" dirty="0">
                 <a:solidFill>
                   <a:schemeClr val="bg1"/>
                 </a:solidFill>
+                <a:latin typeface="Assistant" panose="00000500000000000000" pitchFamily="2" charset="-79"/>
+                <a:cs typeface="Assistant" panose="00000500000000000000" pitchFamily="2" charset="-79"/>
               </a:rPr>
               <a:t>Still He calls, in cares and pleasures,</a:t>
             </a:r>
@@ -3409,10 +3453,12 @@
           <a:p>
             <a:pPr algn="ctr"/>
             <a:r>
-              <a:rPr lang="en-US" sz="3600" dirty="0">
+              <a:rPr lang="en-US" sz="2800" spc="50" dirty="0">
                 <a:solidFill>
                   <a:schemeClr val="bg1"/>
                 </a:solidFill>
+                <a:latin typeface="Assistant" panose="00000500000000000000" pitchFamily="2" charset="-79"/>
+                <a:cs typeface="Assistant" panose="00000500000000000000" pitchFamily="2" charset="-79"/>
               </a:rPr>
               <a:t> “Christian love me more than these.”</a:t>
             </a:r>
@@ -3514,8 +3560,8 @@
         </p:nvSpPr>
         <p:spPr>
           <a:xfrm>
-            <a:off x="0" y="5804209"/>
-            <a:ext cx="12192000" cy="830997"/>
+            <a:off x="0" y="5927320"/>
+            <a:ext cx="12192000" cy="584775"/>
           </a:xfrm>
           <a:prstGeom prst="rect">
             <a:avLst/>
@@ -3530,10 +3576,12 @@
           <a:p>
             <a:pPr algn="ctr"/>
             <a:r>
-              <a:rPr lang="en-US" sz="4800" dirty="0">
+              <a:rPr lang="en-US" sz="3200" u="sng" dirty="0">
                 <a:solidFill>
                   <a:schemeClr val="bg1"/>
                 </a:solidFill>
+                <a:latin typeface="Assistant SemiBold" panose="00000700000000000000" pitchFamily="2" charset="-79"/>
+                <a:cs typeface="Assistant SemiBold" panose="00000700000000000000" pitchFamily="2" charset="-79"/>
               </a:rPr>
               <a:t>“Jesus Calls Us”</a:t>
             </a:r>
@@ -3548,8 +3596,8 @@
         </p:nvSpPr>
         <p:spPr>
           <a:xfrm>
-            <a:off x="0" y="1339801"/>
-            <a:ext cx="12192000" cy="2308324"/>
+            <a:off x="0" y="1613118"/>
+            <a:ext cx="12192000" cy="1815882"/>
           </a:xfrm>
           <a:prstGeom prst="rect">
             <a:avLst/>
@@ -3564,10 +3612,12 @@
           <a:p>
             <a:pPr algn="ctr"/>
             <a:r>
-              <a:rPr lang="en-US" sz="3600" dirty="0">
+              <a:rPr lang="en-US" sz="2800" spc="50" dirty="0">
                 <a:solidFill>
                   <a:schemeClr val="bg1"/>
                 </a:solidFill>
+                <a:latin typeface="Assistant" panose="00000500000000000000" pitchFamily="2" charset="-79"/>
+                <a:cs typeface="Assistant" panose="00000500000000000000" pitchFamily="2" charset="-79"/>
               </a:rPr>
               <a:t>Jesus calls us!</a:t>
             </a:r>
@@ -3575,26 +3625,32 @@
           <a:p>
             <a:pPr algn="ctr"/>
             <a:r>
-              <a:rPr lang="en-US" sz="3600" dirty="0">
+              <a:rPr lang="en-US" sz="2800" spc="50" dirty="0">
                 <a:solidFill>
                   <a:schemeClr val="bg1"/>
                 </a:solidFill>
+                <a:latin typeface="Assistant" panose="00000500000000000000" pitchFamily="2" charset="-79"/>
+                <a:cs typeface="Assistant" panose="00000500000000000000" pitchFamily="2" charset="-79"/>
               </a:rPr>
               <a:t>By Thy mercies, </a:t>
             </a:r>
             <a:r>
-              <a:rPr lang="en-US" sz="3600" dirty="0" err="1">
+              <a:rPr lang="en-US" sz="2800" spc="50" dirty="0" err="1">
                 <a:solidFill>
                   <a:schemeClr val="bg1"/>
                 </a:solidFill>
+                <a:latin typeface="Assistant" panose="00000500000000000000" pitchFamily="2" charset="-79"/>
+                <a:cs typeface="Assistant" panose="00000500000000000000" pitchFamily="2" charset="-79"/>
               </a:rPr>
               <a:t>Saviour</a:t>
             </a:r>
             <a:r>
-              <a:rPr lang="en-US" sz="3600" dirty="0">
+              <a:rPr lang="en-US" sz="2800" spc="50" dirty="0">
                 <a:solidFill>
                   <a:schemeClr val="bg1"/>
                 </a:solidFill>
+                <a:latin typeface="Assistant" panose="00000500000000000000" pitchFamily="2" charset="-79"/>
+                <a:cs typeface="Assistant" panose="00000500000000000000" pitchFamily="2" charset="-79"/>
               </a:rPr>
               <a:t>, may we hear Thy call,</a:t>
             </a:r>
@@ -3602,10 +3658,12 @@
           <a:p>
             <a:pPr algn="ctr"/>
             <a:r>
-              <a:rPr lang="en-US" sz="3600" dirty="0">
+              <a:rPr lang="en-US" sz="2800" spc="50" dirty="0">
                 <a:solidFill>
                   <a:schemeClr val="bg1"/>
                 </a:solidFill>
+                <a:latin typeface="Assistant" panose="00000500000000000000" pitchFamily="2" charset="-79"/>
+                <a:cs typeface="Assistant" panose="00000500000000000000" pitchFamily="2" charset="-79"/>
               </a:rPr>
               <a:t>Give our hearts to Thine obedience, </a:t>
             </a:r>
@@ -3613,10 +3671,12 @@
           <a:p>
             <a:pPr algn="ctr"/>
             <a:r>
-              <a:rPr lang="en-US" sz="3600" dirty="0">
+              <a:rPr lang="en-US" sz="2800" spc="50" dirty="0">
                 <a:solidFill>
                   <a:schemeClr val="bg1"/>
                 </a:solidFill>
+                <a:latin typeface="Assistant" panose="00000500000000000000" pitchFamily="2" charset="-79"/>
+                <a:cs typeface="Assistant" panose="00000500000000000000" pitchFamily="2" charset="-79"/>
               </a:rPr>
               <a:t>Serve and love Thee best of all.</a:t>
             </a:r>
